--- a/doc/共通認識.pptx
+++ b/doc/共通認識.pptx
@@ -5,11 +5,14 @@
     <p:sldMasterId id="2147483648" r:id="rId4"/>
   </p:sldMasterIdLst>
   <p:sldIdLst>
-    <p:sldId id="258" r:id="rId5"/>
-    <p:sldId id="259" r:id="rId6"/>
-    <p:sldId id="260" r:id="rId7"/>
-    <p:sldId id="261" r:id="rId8"/>
-    <p:sldId id="262" r:id="rId9"/>
+    <p:sldId id="263" r:id="rId5"/>
+    <p:sldId id="265" r:id="rId6"/>
+    <p:sldId id="264" r:id="rId7"/>
+    <p:sldId id="258" r:id="rId8"/>
+    <p:sldId id="259" r:id="rId9"/>
+    <p:sldId id="260" r:id="rId10"/>
+    <p:sldId id="261" r:id="rId11"/>
+    <p:sldId id="262" r:id="rId12"/>
   </p:sldIdLst>
   <p:sldSz cx="12192000" cy="6858000"/>
   <p:notesSz cx="6858000" cy="9144000"/>
@@ -3618,6 +3621,147 @@
           <a:chExt cx="0" cy="0"/>
         </a:xfrm>
       </p:grpSpPr>
+    </p:spTree>
+    <p:extLst>
+      <p:ext uri="{BB962C8B-B14F-4D97-AF65-F5344CB8AC3E}">
+        <p14:creationId xmlns:p14="http://schemas.microsoft.com/office/powerpoint/2010/main" val="2065938771"/>
+      </p:ext>
+    </p:extLst>
+  </p:cSld>
+  <p:clrMapOvr>
+    <a:masterClrMapping/>
+  </p:clrMapOvr>
+</p:sld>
+</file>
+
+<file path=ppt/slides/slide2.xml><?xml version="1.0" encoding="utf-8"?>
+<p:sld xmlns:a="http://schemas.openxmlformats.org/drawingml/2006/main" xmlns:r="http://schemas.openxmlformats.org/officeDocument/2006/relationships" xmlns:p="http://schemas.openxmlformats.org/presentationml/2006/main">
+  <p:cSld>
+    <p:spTree>
+      <p:nvGrpSpPr>
+        <p:cNvPr id="1" name=""/>
+        <p:cNvGrpSpPr/>
+        <p:nvPr/>
+      </p:nvGrpSpPr>
+      <p:grpSpPr>
+        <a:xfrm>
+          <a:off x="0" y="0"/>
+          <a:ext cx="0" cy="0"/>
+          <a:chOff x="0" y="0"/>
+          <a:chExt cx="0" cy="0"/>
+        </a:xfrm>
+      </p:grpSpPr>
+    </p:spTree>
+    <p:extLst>
+      <p:ext uri="{BB962C8B-B14F-4D97-AF65-F5344CB8AC3E}">
+        <p14:creationId xmlns:p14="http://schemas.microsoft.com/office/powerpoint/2010/main" val="218481276"/>
+      </p:ext>
+    </p:extLst>
+  </p:cSld>
+  <p:clrMapOvr>
+    <a:masterClrMapping/>
+  </p:clrMapOvr>
+</p:sld>
+</file>
+
+<file path=ppt/slides/slide3.xml><?xml version="1.0" encoding="utf-8"?>
+<p:sld xmlns:a="http://schemas.openxmlformats.org/drawingml/2006/main" xmlns:r="http://schemas.openxmlformats.org/officeDocument/2006/relationships" xmlns:p="http://schemas.openxmlformats.org/presentationml/2006/main">
+  <p:cSld>
+    <p:spTree>
+      <p:nvGrpSpPr>
+        <p:cNvPr id="1" name=""/>
+        <p:cNvGrpSpPr/>
+        <p:nvPr/>
+      </p:nvGrpSpPr>
+      <p:grpSpPr>
+        <a:xfrm>
+          <a:off x="0" y="0"/>
+          <a:ext cx="0" cy="0"/>
+          <a:chOff x="0" y="0"/>
+          <a:chExt cx="0" cy="0"/>
+        </a:xfrm>
+      </p:grpSpPr>
+      <p:sp>
+        <p:nvSpPr>
+          <p:cNvPr id="2" name="正方形/長方形 1">
+            <a:extLst>
+              <a:ext uri="{FF2B5EF4-FFF2-40B4-BE49-F238E27FC236}">
+                <a16:creationId xmlns:a16="http://schemas.microsoft.com/office/drawing/2014/main" id="{2DDF3097-FAB5-4A35-83B2-BDC412CA73BA}"/>
+              </a:ext>
+            </a:extLst>
+          </p:cNvPr>
+          <p:cNvSpPr/>
+          <p:nvPr/>
+        </p:nvSpPr>
+        <p:spPr>
+          <a:xfrm>
+            <a:off x="1288026" y="727587"/>
+            <a:ext cx="9724103" cy="5102942"/>
+          </a:xfrm>
+          <a:prstGeom prst="rect">
+            <a:avLst/>
+          </a:prstGeom>
+          <a:solidFill>
+            <a:schemeClr val="bg2">
+              <a:lumMod val="75000"/>
+            </a:schemeClr>
+          </a:solidFill>
+        </p:spPr>
+        <p:style>
+          <a:lnRef idx="2">
+            <a:schemeClr val="accent1">
+              <a:shade val="50000"/>
+            </a:schemeClr>
+          </a:lnRef>
+          <a:fillRef idx="1">
+            <a:schemeClr val="accent1"/>
+          </a:fillRef>
+          <a:effectRef idx="0">
+            <a:schemeClr val="accent1"/>
+          </a:effectRef>
+          <a:fontRef idx="minor">
+            <a:schemeClr val="lt1"/>
+          </a:fontRef>
+        </p:style>
+        <p:txBody>
+          <a:bodyPr rtlCol="0" anchor="ctr"/>
+          <a:lstStyle/>
+          <a:p>
+            <a:pPr algn="ctr"/>
+            <a:endParaRPr kumimoji="1" lang="ja-JP" altLang="en-US"/>
+          </a:p>
+        </p:txBody>
+      </p:sp>
+    </p:spTree>
+    <p:extLst>
+      <p:ext uri="{BB962C8B-B14F-4D97-AF65-F5344CB8AC3E}">
+        <p14:creationId xmlns:p14="http://schemas.microsoft.com/office/powerpoint/2010/main" val="2319268252"/>
+      </p:ext>
+    </p:extLst>
+  </p:cSld>
+  <p:clrMapOvr>
+    <a:masterClrMapping/>
+  </p:clrMapOvr>
+</p:sld>
+</file>
+
+<file path=ppt/slides/slide4.xml><?xml version="1.0" encoding="utf-8"?>
+<p:sld xmlns:a="http://schemas.openxmlformats.org/drawingml/2006/main" xmlns:r="http://schemas.openxmlformats.org/officeDocument/2006/relationships" xmlns:p="http://schemas.openxmlformats.org/presentationml/2006/main">
+  <p:cSld>
+    <p:spTree>
+      <p:nvGrpSpPr>
+        <p:cNvPr id="1" name=""/>
+        <p:cNvGrpSpPr/>
+        <p:nvPr/>
+      </p:nvGrpSpPr>
+      <p:grpSpPr>
+        <a:xfrm>
+          <a:off x="0" y="0"/>
+          <a:ext cx="0" cy="0"/>
+          <a:chOff x="0" y="0"/>
+          <a:chExt cx="0" cy="0"/>
+        </a:xfrm>
+      </p:grpSpPr>
       <p:grpSp>
         <p:nvGrpSpPr>
           <p:cNvPr id="29" name="グループ化 28">
@@ -4373,7 +4517,7 @@
                   <a:avLst/>
                 </a:prstGeom>
                 <a:solidFill>
-                  <a:schemeClr val="bg1"/>
+                  <a:schemeClr val="accent2"/>
                 </a:solidFill>
               </p:spPr>
               <p:txBody>
@@ -5015,7 +5159,7 @@
 </p:sld>
 </file>
 
-<file path=ppt/slides/slide2.xml><?xml version="1.0" encoding="utf-8"?>
+<file path=ppt/slides/slide5.xml><?xml version="1.0" encoding="utf-8"?>
 <p:sld xmlns:a="http://schemas.openxmlformats.org/drawingml/2006/main" xmlns:r="http://schemas.openxmlformats.org/officeDocument/2006/relationships" xmlns:p="http://schemas.openxmlformats.org/presentationml/2006/main">
   <p:cSld>
     <p:spTree>
@@ -5418,7 +5562,7 @@
 </p:sld>
 </file>
 
-<file path=ppt/slides/slide3.xml><?xml version="1.0" encoding="utf-8"?>
+<file path=ppt/slides/slide6.xml><?xml version="1.0" encoding="utf-8"?>
 <p:sld xmlns:a="http://schemas.openxmlformats.org/drawingml/2006/main" xmlns:r="http://schemas.openxmlformats.org/officeDocument/2006/relationships" xmlns:p="http://schemas.openxmlformats.org/presentationml/2006/main">
   <p:cSld>
     <p:spTree>
@@ -7763,7 +7907,7 @@
 </p:sld>
 </file>
 
-<file path=ppt/slides/slide4.xml><?xml version="1.0" encoding="utf-8"?>
+<file path=ppt/slides/slide7.xml><?xml version="1.0" encoding="utf-8"?>
 <p:sld xmlns:a="http://schemas.openxmlformats.org/drawingml/2006/main" xmlns:r="http://schemas.openxmlformats.org/officeDocument/2006/relationships" xmlns:p="http://schemas.openxmlformats.org/presentationml/2006/main">
   <p:cSld>
     <p:spTree>
@@ -10846,7 +10990,7 @@
 </p:sld>
 </file>
 
-<file path=ppt/slides/slide5.xml><?xml version="1.0" encoding="utf-8"?>
+<file path=ppt/slides/slide8.xml><?xml version="1.0" encoding="utf-8"?>
 <p:sld xmlns:a="http://schemas.openxmlformats.org/drawingml/2006/main" xmlns:r="http://schemas.openxmlformats.org/officeDocument/2006/relationships" xmlns:p="http://schemas.openxmlformats.org/presentationml/2006/main">
   <p:cSld>
     <p:spTree>
@@ -11889,21 +12033,6 @@
 </file>
 
 <file path=customXml/item1.xml><?xml version="1.0" encoding="utf-8"?>
-<p:properties xmlns:p="http://schemas.microsoft.com/office/2006/metadata/properties" xmlns:xsi="http://www.w3.org/2001/XMLSchema-instance" xmlns:pc="http://schemas.microsoft.com/office/infopath/2007/PartnerControls">
-  <documentManagement/>
-</p:properties>
-</file>
-
-<file path=customXml/item2.xml><?xml version="1.0" encoding="utf-8"?>
-<?mso-contentType ?>
-<FormTemplates xmlns="http://schemas.microsoft.com/sharepoint/v3/contenttype/forms">
-  <Display>DocumentLibraryForm</Display>
-  <Edit>DocumentLibraryForm</Edit>
-  <New>DocumentLibraryForm</New>
-</FormTemplates>
-</file>
-
-<file path=customXml/item3.xml><?xml version="1.0" encoding="utf-8"?>
 <ct:contentTypeSchema xmlns:ct="http://schemas.microsoft.com/office/2006/metadata/contentType" xmlns:ma="http://schemas.microsoft.com/office/2006/metadata/properties/metaAttributes" ct:_="" ma:_="" ma:contentTypeName="ドキュメント" ma:contentTypeID="0x01010008813C4EDA0DC04FBE0C5B5E81D18F00" ma:contentTypeVersion="2" ma:contentTypeDescription="新しいドキュメントを作成します。" ma:contentTypeScope="" ma:versionID="b3ac7257a63c8885769a3f9bcd5d624e">
   <xsd:schema xmlns:xsd="http://www.w3.org/2001/XMLSchema" xmlns:xs="http://www.w3.org/2001/XMLSchema" xmlns:p="http://schemas.microsoft.com/office/2006/metadata/properties" xmlns:ns3="7e6542a4-187e-44f1-a493-7030891c6117" targetNamespace="http://schemas.microsoft.com/office/2006/metadata/properties" ma:root="true" ma:fieldsID="dd0543dc8d0c7759bb7da5b4a33be555" ns3:_="">
     <xsd:import namespace="7e6542a4-187e-44f1-a493-7030891c6117"/>
@@ -12035,31 +12164,22 @@
 </ct:contentTypeSchema>
 </file>
 
-<file path=customXml/itemProps1.xml><?xml version="1.0" encoding="utf-8"?>
-<ds:datastoreItem xmlns:ds="http://schemas.openxmlformats.org/officeDocument/2006/customXml" ds:itemID="{2F8A13B8-A5B9-419B-AE51-D954B2A22A85}">
-  <ds:schemaRefs>
-    <ds:schemaRef ds:uri="http://purl.org/dc/terms/"/>
-    <ds:schemaRef ds:uri="http://schemas.microsoft.com/office/2006/documentManagement/types"/>
-    <ds:schemaRef ds:uri="http://schemas.microsoft.com/office/infopath/2007/PartnerControls"/>
-    <ds:schemaRef ds:uri="http://purl.org/dc/dcmitype/"/>
-    <ds:schemaRef ds:uri="http://purl.org/dc/elements/1.1/"/>
-    <ds:schemaRef ds:uri="http://schemas.microsoft.com/office/2006/metadata/properties"/>
-    <ds:schemaRef ds:uri="http://schemas.openxmlformats.org/package/2006/metadata/core-properties"/>
-    <ds:schemaRef ds:uri="7e6542a4-187e-44f1-a493-7030891c6117"/>
-    <ds:schemaRef ds:uri="http://www.w3.org/XML/1998/namespace"/>
-  </ds:schemaRefs>
-</ds:datastoreItem>
+<file path=customXml/item2.xml><?xml version="1.0" encoding="utf-8"?>
+<?mso-contentType ?>
+<FormTemplates xmlns="http://schemas.microsoft.com/sharepoint/v3/contenttype/forms">
+  <Display>DocumentLibraryForm</Display>
+  <Edit>DocumentLibraryForm</Edit>
+  <New>DocumentLibraryForm</New>
+</FormTemplates>
 </file>
 
-<file path=customXml/itemProps2.xml><?xml version="1.0" encoding="utf-8"?>
-<ds:datastoreItem xmlns:ds="http://schemas.openxmlformats.org/officeDocument/2006/customXml" ds:itemID="{C28A68EF-A22F-4C46-9985-DC2D06481DC6}">
-  <ds:schemaRefs>
-    <ds:schemaRef ds:uri="http://schemas.microsoft.com/sharepoint/v3/contenttype/forms"/>
-  </ds:schemaRefs>
-</ds:datastoreItem>
+<file path=customXml/item3.xml><?xml version="1.0" encoding="utf-8"?>
+<p:properties xmlns:p="http://schemas.microsoft.com/office/2006/metadata/properties" xmlns:xsi="http://www.w3.org/2001/XMLSchema-instance" xmlns:pc="http://schemas.microsoft.com/office/infopath/2007/PartnerControls">
+  <documentManagement/>
+</p:properties>
 </file>
 
-<file path=customXml/itemProps3.xml><?xml version="1.0" encoding="utf-8"?>
+<file path=customXml/itemProps1.xml><?xml version="1.0" encoding="utf-8"?>
 <ds:datastoreItem xmlns:ds="http://schemas.openxmlformats.org/officeDocument/2006/customXml" ds:itemID="{CD43A556-3460-43C3-BFA1-A3280A406316}">
   <ds:schemaRefs>
     <ds:schemaRef ds:uri="http://schemas.microsoft.com/office/2006/metadata/contentType"/>
@@ -12075,4 +12195,28 @@
     <ds:schemaRef ds:uri="http://schemas.microsoft.com/internal/obd"/>
   </ds:schemaRefs>
 </ds:datastoreItem>
+</file>
+
+<file path=customXml/itemProps2.xml><?xml version="1.0" encoding="utf-8"?>
+<ds:datastoreItem xmlns:ds="http://schemas.openxmlformats.org/officeDocument/2006/customXml" ds:itemID="{C28A68EF-A22F-4C46-9985-DC2D06481DC6}">
+  <ds:schemaRefs>
+    <ds:schemaRef ds:uri="http://schemas.microsoft.com/sharepoint/v3/contenttype/forms"/>
+  </ds:schemaRefs>
+</ds:datastoreItem>
+</file>
+
+<file path=customXml/itemProps3.xml><?xml version="1.0" encoding="utf-8"?>
+<ds:datastoreItem xmlns:ds="http://schemas.openxmlformats.org/officeDocument/2006/customXml" ds:itemID="{2F8A13B8-A5B9-419B-AE51-D954B2A22A85}">
+  <ds:schemaRefs>
+    <ds:schemaRef ds:uri="http://purl.org/dc/terms/"/>
+    <ds:schemaRef ds:uri="http://schemas.microsoft.com/office/2006/documentManagement/types"/>
+    <ds:schemaRef ds:uri="http://schemas.microsoft.com/office/infopath/2007/PartnerControls"/>
+    <ds:schemaRef ds:uri="http://purl.org/dc/dcmitype/"/>
+    <ds:schemaRef ds:uri="http://purl.org/dc/elements/1.1/"/>
+    <ds:schemaRef ds:uri="http://schemas.microsoft.com/office/2006/metadata/properties"/>
+    <ds:schemaRef ds:uri="http://schemas.openxmlformats.org/package/2006/metadata/core-properties"/>
+    <ds:schemaRef ds:uri="7e6542a4-187e-44f1-a493-7030891c6117"/>
+    <ds:schemaRef ds:uri="http://www.w3.org/XML/1998/namespace"/>
+  </ds:schemaRefs>
+</ds:datastoreItem>
 </file>